--- a/Presentation/FinalPresentation.pptx
+++ b/Presentation/FinalPresentation.pptx
@@ -6,17 +6,20 @@
   </p:sldMasterIdLst>
   <p:sldIdLst>
     <p:sldId id="256" r:id="rId2"/>
-    <p:sldId id="257" r:id="rId3"/>
-    <p:sldId id="264" r:id="rId4"/>
-    <p:sldId id="263" r:id="rId5"/>
-    <p:sldId id="267" r:id="rId6"/>
-    <p:sldId id="266" r:id="rId7"/>
-    <p:sldId id="258" r:id="rId8"/>
-    <p:sldId id="259" r:id="rId9"/>
-    <p:sldId id="260" r:id="rId10"/>
-    <p:sldId id="261" r:id="rId11"/>
-    <p:sldId id="262" r:id="rId12"/>
-    <p:sldId id="265" r:id="rId13"/>
+    <p:sldId id="268" r:id="rId3"/>
+    <p:sldId id="257" r:id="rId4"/>
+    <p:sldId id="264" r:id="rId5"/>
+    <p:sldId id="263" r:id="rId6"/>
+    <p:sldId id="267" r:id="rId7"/>
+    <p:sldId id="266" r:id="rId8"/>
+    <p:sldId id="258" r:id="rId9"/>
+    <p:sldId id="269" r:id="rId10"/>
+    <p:sldId id="270" r:id="rId11"/>
+    <p:sldId id="259" r:id="rId12"/>
+    <p:sldId id="260" r:id="rId13"/>
+    <p:sldId id="261" r:id="rId14"/>
+    <p:sldId id="262" r:id="rId15"/>
+    <p:sldId id="265" r:id="rId16"/>
   </p:sldIdLst>
   <p:sldSz cx="9144000" cy="6858000" type="screen4x3"/>
   <p:notesSz cx="6858000" cy="9144000"/>
@@ -299,7 +302,7 @@
           <a:p>
             <a:fld id="{7B288448-F35D-2740-A7C9-16B059632B26}" type="datetimeFigureOut">
               <a:rPr lang="en-US" smtClean="0"/>
-              <a:t>5/9/12</a:t>
+              <a:t>5/10/12</a:t>
             </a:fld>
             <a:endParaRPr lang="en-US"/>
           </a:p>
@@ -469,7 +472,7 @@
           <a:p>
             <a:fld id="{7B288448-F35D-2740-A7C9-16B059632B26}" type="datetimeFigureOut">
               <a:rPr lang="en-US" smtClean="0"/>
-              <a:t>5/9/12</a:t>
+              <a:t>5/10/12</a:t>
             </a:fld>
             <a:endParaRPr lang="en-US"/>
           </a:p>
@@ -649,7 +652,7 @@
           <a:p>
             <a:fld id="{7B288448-F35D-2740-A7C9-16B059632B26}" type="datetimeFigureOut">
               <a:rPr lang="en-US" smtClean="0"/>
-              <a:t>5/9/12</a:t>
+              <a:t>5/10/12</a:t>
             </a:fld>
             <a:endParaRPr lang="en-US"/>
           </a:p>
@@ -819,7 +822,7 @@
           <a:p>
             <a:fld id="{7B288448-F35D-2740-A7C9-16B059632B26}" type="datetimeFigureOut">
               <a:rPr lang="en-US" smtClean="0"/>
-              <a:t>5/9/12</a:t>
+              <a:t>5/10/12</a:t>
             </a:fld>
             <a:endParaRPr lang="en-US"/>
           </a:p>
@@ -1065,7 +1068,7 @@
           <a:p>
             <a:fld id="{7B288448-F35D-2740-A7C9-16B059632B26}" type="datetimeFigureOut">
               <a:rPr lang="en-US" smtClean="0"/>
-              <a:t>5/9/12</a:t>
+              <a:t>5/10/12</a:t>
             </a:fld>
             <a:endParaRPr lang="en-US"/>
           </a:p>
@@ -1353,7 +1356,7 @@
           <a:p>
             <a:fld id="{7B288448-F35D-2740-A7C9-16B059632B26}" type="datetimeFigureOut">
               <a:rPr lang="en-US" smtClean="0"/>
-              <a:t>5/9/12</a:t>
+              <a:t>5/10/12</a:t>
             </a:fld>
             <a:endParaRPr lang="en-US"/>
           </a:p>
@@ -1775,7 +1778,7 @@
           <a:p>
             <a:fld id="{7B288448-F35D-2740-A7C9-16B059632B26}" type="datetimeFigureOut">
               <a:rPr lang="en-US" smtClean="0"/>
-              <a:t>5/9/12</a:t>
+              <a:t>5/10/12</a:t>
             </a:fld>
             <a:endParaRPr lang="en-US"/>
           </a:p>
@@ -1893,7 +1896,7 @@
           <a:p>
             <a:fld id="{7B288448-F35D-2740-A7C9-16B059632B26}" type="datetimeFigureOut">
               <a:rPr lang="en-US" smtClean="0"/>
-              <a:t>5/9/12</a:t>
+              <a:t>5/10/12</a:t>
             </a:fld>
             <a:endParaRPr lang="en-US"/>
           </a:p>
@@ -1988,7 +1991,7 @@
           <a:p>
             <a:fld id="{7B288448-F35D-2740-A7C9-16B059632B26}" type="datetimeFigureOut">
               <a:rPr lang="en-US" smtClean="0"/>
-              <a:t>5/9/12</a:t>
+              <a:t>5/10/12</a:t>
             </a:fld>
             <a:endParaRPr lang="en-US"/>
           </a:p>
@@ -2265,7 +2268,7 @@
           <a:p>
             <a:fld id="{7B288448-F35D-2740-A7C9-16B059632B26}" type="datetimeFigureOut">
               <a:rPr lang="en-US" smtClean="0"/>
-              <a:t>5/9/12</a:t>
+              <a:t>5/10/12</a:t>
             </a:fld>
             <a:endParaRPr lang="en-US"/>
           </a:p>
@@ -2518,7 +2521,7 @@
           <a:p>
             <a:fld id="{7B288448-F35D-2740-A7C9-16B059632B26}" type="datetimeFigureOut">
               <a:rPr lang="en-US" smtClean="0"/>
-              <a:t>5/9/12</a:t>
+              <a:t>5/10/12</a:t>
             </a:fld>
             <a:endParaRPr lang="en-US"/>
           </a:p>
@@ -2731,7 +2734,7 @@
           <a:p>
             <a:fld id="{7B288448-F35D-2740-A7C9-16B059632B26}" type="datetimeFigureOut">
               <a:rPr lang="en-US" smtClean="0"/>
-              <a:t>5/9/12</a:t>
+              <a:t>5/10/12</a:t>
             </a:fld>
             <a:endParaRPr lang="en-US"/>
           </a:p>
@@ -3203,7 +3206,7 @@
       </p:grpSpPr>
       <p:sp>
         <p:nvSpPr>
-          <p:cNvPr id="2" name="Title 1"/>
+          <p:cNvPr id="4" name="Title 3"/>
           <p:cNvSpPr>
             <a:spLocks noGrp="1"/>
           </p:cNvSpPr>
@@ -3218,7 +3221,7 @@
           <a:p>
             <a:r>
               <a:rPr lang="en-US" dirty="0" smtClean="0"/>
-              <a:t>Runtime</a:t>
+              <a:t>Genetic Algorithm</a:t>
             </a:r>
             <a:endParaRPr lang="en-US" dirty="0"/>
           </a:p>
@@ -3226,7 +3229,7 @@
       </p:sp>
       <p:sp>
         <p:nvSpPr>
-          <p:cNvPr id="3" name="Content Placeholder 2"/>
+          <p:cNvPr id="5" name="Content Placeholder 4"/>
           <p:cNvSpPr>
             <a:spLocks noGrp="1"/>
           </p:cNvSpPr>
@@ -3239,14 +3242,18 @@
           <a:bodyPr/>
           <a:lstStyle/>
           <a:p>
-            <a:endParaRPr lang="en-US"/>
+            <a:r>
+              <a:rPr lang="en-US" dirty="0" smtClean="0"/>
+              <a:t>A couple of slides explaining the method</a:t>
+            </a:r>
+            <a:endParaRPr lang="en-US" dirty="0"/>
           </a:p>
         </p:txBody>
       </p:sp>
     </p:spTree>
     <p:extLst>
       <p:ext uri="{BB962C8B-B14F-4D97-AF65-F5344CB8AC3E}">
-        <p14:creationId xmlns:p14="http://schemas.microsoft.com/office/powerpoint/2010/main" val="4279867962"/>
+        <p14:creationId xmlns:p14="http://schemas.microsoft.com/office/powerpoint/2010/main" val="3359898646"/>
       </p:ext>
     </p:extLst>
   </p:cSld>
@@ -3257,1047 +3264,6 @@
 </file>
 
 <file path=ppt/slides/slide11.xml><?xml version="1.0" encoding="utf-8"?>
-<p:sld xmlns:a="http://schemas.openxmlformats.org/drawingml/2006/main" xmlns:r="http://schemas.openxmlformats.org/officeDocument/2006/relationships" xmlns:p="http://schemas.openxmlformats.org/presentationml/2006/main">
-  <p:cSld>
-    <p:spTree>
-      <p:nvGrpSpPr>
-        <p:cNvPr id="1" name=""/>
-        <p:cNvGrpSpPr/>
-        <p:nvPr/>
-      </p:nvGrpSpPr>
-      <p:grpSpPr>
-        <a:xfrm>
-          <a:off x="0" y="0"/>
-          <a:ext cx="0" cy="0"/>
-          <a:chOff x="0" y="0"/>
-          <a:chExt cx="0" cy="0"/>
-        </a:xfrm>
-      </p:grpSpPr>
-      <p:sp>
-        <p:nvSpPr>
-          <p:cNvPr id="2" name="Title 1"/>
-          <p:cNvSpPr>
-            <a:spLocks noGrp="1"/>
-          </p:cNvSpPr>
-          <p:nvPr>
-            <p:ph type="title"/>
-          </p:nvPr>
-        </p:nvSpPr>
-        <p:spPr/>
-        <p:txBody>
-          <a:bodyPr/>
-          <a:lstStyle/>
-          <a:p>
-            <a:r>
-              <a:rPr lang="en-US" dirty="0" smtClean="0"/>
-              <a:t>Different solutions</a:t>
-            </a:r>
-            <a:endParaRPr lang="en-US" dirty="0"/>
-          </a:p>
-        </p:txBody>
-      </p:sp>
-      <p:sp>
-        <p:nvSpPr>
-          <p:cNvPr id="3" name="Content Placeholder 2"/>
-          <p:cNvSpPr>
-            <a:spLocks noGrp="1"/>
-          </p:cNvSpPr>
-          <p:nvPr>
-            <p:ph idx="1"/>
-          </p:nvPr>
-        </p:nvSpPr>
-        <p:spPr/>
-        <p:txBody>
-          <a:bodyPr/>
-          <a:lstStyle/>
-          <a:p>
-            <a:endParaRPr lang="en-US"/>
-          </a:p>
-        </p:txBody>
-      </p:sp>
-    </p:spTree>
-    <p:extLst>
-      <p:ext uri="{BB962C8B-B14F-4D97-AF65-F5344CB8AC3E}">
-        <p14:creationId xmlns:p14="http://schemas.microsoft.com/office/powerpoint/2010/main" val="3775196763"/>
-      </p:ext>
-    </p:extLst>
-  </p:cSld>
-  <p:clrMapOvr>
-    <a:masterClrMapping/>
-  </p:clrMapOvr>
-</p:sld>
-</file>
-
-<file path=ppt/slides/slide12.xml><?xml version="1.0" encoding="utf-8"?>
-<p:sld xmlns:a="http://schemas.openxmlformats.org/drawingml/2006/main" xmlns:r="http://schemas.openxmlformats.org/officeDocument/2006/relationships" xmlns:p="http://schemas.openxmlformats.org/presentationml/2006/main">
-  <p:cSld>
-    <p:spTree>
-      <p:nvGrpSpPr>
-        <p:cNvPr id="1" name=""/>
-        <p:cNvGrpSpPr/>
-        <p:nvPr/>
-      </p:nvGrpSpPr>
-      <p:grpSpPr>
-        <a:xfrm>
-          <a:off x="0" y="0"/>
-          <a:ext cx="0" cy="0"/>
-          <a:chOff x="0" y="0"/>
-          <a:chExt cx="0" cy="0"/>
-        </a:xfrm>
-      </p:grpSpPr>
-      <p:sp>
-        <p:nvSpPr>
-          <p:cNvPr id="2" name="Title 1"/>
-          <p:cNvSpPr>
-            <a:spLocks noGrp="1"/>
-          </p:cNvSpPr>
-          <p:nvPr>
-            <p:ph type="title"/>
-          </p:nvPr>
-        </p:nvSpPr>
-        <p:spPr/>
-        <p:txBody>
-          <a:bodyPr/>
-          <a:lstStyle/>
-          <a:p>
-            <a:r>
-              <a:rPr lang="en-US" dirty="0" smtClean="0"/>
-              <a:t>Conclusion</a:t>
-            </a:r>
-            <a:endParaRPr lang="en-US" dirty="0"/>
-          </a:p>
-        </p:txBody>
-      </p:sp>
-      <p:sp>
-        <p:nvSpPr>
-          <p:cNvPr id="3" name="Content Placeholder 2"/>
-          <p:cNvSpPr>
-            <a:spLocks noGrp="1"/>
-          </p:cNvSpPr>
-          <p:nvPr>
-            <p:ph idx="1"/>
-          </p:nvPr>
-        </p:nvSpPr>
-        <p:spPr/>
-        <p:txBody>
-          <a:bodyPr/>
-          <a:lstStyle/>
-          <a:p>
-            <a:endParaRPr lang="en-US"/>
-          </a:p>
-        </p:txBody>
-      </p:sp>
-    </p:spTree>
-    <p:extLst>
-      <p:ext uri="{BB962C8B-B14F-4D97-AF65-F5344CB8AC3E}">
-        <p14:creationId xmlns:p14="http://schemas.microsoft.com/office/powerpoint/2010/main" val="2616891662"/>
-      </p:ext>
-    </p:extLst>
-  </p:cSld>
-  <p:clrMapOvr>
-    <a:masterClrMapping/>
-  </p:clrMapOvr>
-</p:sld>
-</file>
-
-<file path=ppt/slides/slide2.xml><?xml version="1.0" encoding="utf-8"?>
-<p:sld xmlns:a="http://schemas.openxmlformats.org/drawingml/2006/main" xmlns:r="http://schemas.openxmlformats.org/officeDocument/2006/relationships" xmlns:p="http://schemas.openxmlformats.org/presentationml/2006/main">
-  <p:cSld>
-    <p:spTree>
-      <p:nvGrpSpPr>
-        <p:cNvPr id="1" name=""/>
-        <p:cNvGrpSpPr/>
-        <p:nvPr/>
-      </p:nvGrpSpPr>
-      <p:grpSpPr>
-        <a:xfrm>
-          <a:off x="0" y="0"/>
-          <a:ext cx="0" cy="0"/>
-          <a:chOff x="0" y="0"/>
-          <a:chExt cx="0" cy="0"/>
-        </a:xfrm>
-      </p:grpSpPr>
-      <p:sp>
-        <p:nvSpPr>
-          <p:cNvPr id="2" name="Title 1"/>
-          <p:cNvSpPr>
-            <a:spLocks noGrp="1"/>
-          </p:cNvSpPr>
-          <p:nvPr>
-            <p:ph type="title"/>
-          </p:nvPr>
-        </p:nvSpPr>
-        <p:spPr/>
-        <p:txBody>
-          <a:bodyPr/>
-          <a:lstStyle/>
-          <a:p>
-            <a:r>
-              <a:rPr lang="en-US" dirty="0" smtClean="0"/>
-              <a:t>Hierarchy of optimization methods</a:t>
-            </a:r>
-            <a:endParaRPr lang="en-US" dirty="0"/>
-          </a:p>
-        </p:txBody>
-      </p:sp>
-      <p:pic>
-        <p:nvPicPr>
-          <p:cNvPr id="7" name="Picture 6" descr="Network 0.png"/>
-          <p:cNvPicPr>
-            <a:picLocks noChangeAspect="1"/>
-          </p:cNvPicPr>
-          <p:nvPr/>
-        </p:nvPicPr>
-        <p:blipFill>
-          <a:blip r:embed="rId2">
-            <a:extLst>
-              <a:ext uri="{28A0092B-C50C-407E-A947-70E740481C1C}">
-                <a14:useLocalDpi xmlns:a14="http://schemas.microsoft.com/office/drawing/2010/main" val="0"/>
-              </a:ext>
-            </a:extLst>
-          </a:blip>
-          <a:stretch>
-            <a:fillRect/>
-          </a:stretch>
-        </p:blipFill>
-        <p:spPr>
-          <a:xfrm>
-            <a:off x="698737" y="1417638"/>
-            <a:ext cx="7867640" cy="3597420"/>
-          </a:xfrm>
-          <a:prstGeom prst="rect">
-            <a:avLst/>
-          </a:prstGeom>
-        </p:spPr>
-      </p:pic>
-      <p:sp>
-        <p:nvSpPr>
-          <p:cNvPr id="8" name="Rectangle 7"/>
-          <p:cNvSpPr/>
-          <p:nvPr/>
-        </p:nvSpPr>
-        <p:spPr>
-          <a:xfrm>
-            <a:off x="5316623" y="3556796"/>
-            <a:ext cx="889579" cy="742569"/>
-          </a:xfrm>
-          <a:prstGeom prst="rect">
-            <a:avLst/>
-          </a:prstGeom>
-          <a:solidFill>
-            <a:srgbClr val="FFFF00">
-              <a:alpha val="15000"/>
-            </a:srgbClr>
-          </a:solidFill>
-        </p:spPr>
-        <p:style>
-          <a:lnRef idx="1">
-            <a:schemeClr val="accent1"/>
-          </a:lnRef>
-          <a:fillRef idx="3">
-            <a:schemeClr val="accent1"/>
-          </a:fillRef>
-          <a:effectRef idx="2">
-            <a:schemeClr val="accent1"/>
-          </a:effectRef>
-          <a:fontRef idx="minor">
-            <a:schemeClr val="lt1"/>
-          </a:fontRef>
-        </p:style>
-        <p:txBody>
-          <a:bodyPr rtlCol="0" anchor="ctr"/>
-          <a:lstStyle/>
-          <a:p>
-            <a:pPr algn="ctr"/>
-            <a:endParaRPr lang="en-US"/>
-          </a:p>
-        </p:txBody>
-      </p:sp>
-      <p:sp>
-        <p:nvSpPr>
-          <p:cNvPr id="9" name="Rectangle 8"/>
-          <p:cNvSpPr/>
-          <p:nvPr/>
-        </p:nvSpPr>
-        <p:spPr>
-          <a:xfrm>
-            <a:off x="6943471" y="3016224"/>
-            <a:ext cx="947091" cy="790576"/>
-          </a:xfrm>
-          <a:prstGeom prst="rect">
-            <a:avLst/>
-          </a:prstGeom>
-          <a:solidFill>
-            <a:srgbClr val="FFFF00">
-              <a:alpha val="15000"/>
-            </a:srgbClr>
-          </a:solidFill>
-        </p:spPr>
-        <p:style>
-          <a:lnRef idx="1">
-            <a:schemeClr val="accent1"/>
-          </a:lnRef>
-          <a:fillRef idx="3">
-            <a:schemeClr val="accent1"/>
-          </a:fillRef>
-          <a:effectRef idx="2">
-            <a:schemeClr val="accent1"/>
-          </a:effectRef>
-          <a:fontRef idx="minor">
-            <a:schemeClr val="lt1"/>
-          </a:fontRef>
-        </p:style>
-        <p:txBody>
-          <a:bodyPr rtlCol="0" anchor="ctr"/>
-          <a:lstStyle/>
-          <a:p>
-            <a:pPr algn="ctr"/>
-            <a:endParaRPr lang="en-US"/>
-          </a:p>
-        </p:txBody>
-      </p:sp>
-      <p:sp>
-        <p:nvSpPr>
-          <p:cNvPr id="10" name="Rectangle 9"/>
-          <p:cNvSpPr/>
-          <p:nvPr/>
-        </p:nvSpPr>
-        <p:spPr>
-          <a:xfrm>
-            <a:off x="7802557" y="3928081"/>
-            <a:ext cx="884243" cy="738115"/>
-          </a:xfrm>
-          <a:prstGeom prst="rect">
-            <a:avLst/>
-          </a:prstGeom>
-          <a:solidFill>
-            <a:srgbClr val="FFFF00">
-              <a:alpha val="15000"/>
-            </a:srgbClr>
-          </a:solidFill>
-        </p:spPr>
-        <p:style>
-          <a:lnRef idx="1">
-            <a:schemeClr val="accent1"/>
-          </a:lnRef>
-          <a:fillRef idx="3">
-            <a:schemeClr val="accent1"/>
-          </a:fillRef>
-          <a:effectRef idx="2">
-            <a:schemeClr val="accent1"/>
-          </a:effectRef>
-          <a:fontRef idx="minor">
-            <a:schemeClr val="lt1"/>
-          </a:fontRef>
-        </p:style>
-        <p:txBody>
-          <a:bodyPr rtlCol="0" anchor="ctr"/>
-          <a:lstStyle/>
-          <a:p>
-            <a:pPr algn="ctr"/>
-            <a:endParaRPr lang="en-US"/>
-          </a:p>
-        </p:txBody>
-      </p:sp>
-      <p:sp>
-        <p:nvSpPr>
-          <p:cNvPr id="11" name="Rectangle 10"/>
-          <p:cNvSpPr/>
-          <p:nvPr/>
-        </p:nvSpPr>
-        <p:spPr>
-          <a:xfrm>
-            <a:off x="3673676" y="3016224"/>
-            <a:ext cx="889579" cy="742569"/>
-          </a:xfrm>
-          <a:prstGeom prst="rect">
-            <a:avLst/>
-          </a:prstGeom>
-          <a:solidFill>
-            <a:srgbClr val="FFFF00">
-              <a:alpha val="15000"/>
-            </a:srgbClr>
-          </a:solidFill>
-        </p:spPr>
-        <p:style>
-          <a:lnRef idx="1">
-            <a:schemeClr val="accent1"/>
-          </a:lnRef>
-          <a:fillRef idx="3">
-            <a:schemeClr val="accent1"/>
-          </a:fillRef>
-          <a:effectRef idx="2">
-            <a:schemeClr val="accent1"/>
-          </a:effectRef>
-          <a:fontRef idx="minor">
-            <a:schemeClr val="lt1"/>
-          </a:fontRef>
-        </p:style>
-        <p:txBody>
-          <a:bodyPr rtlCol="0" anchor="ctr"/>
-          <a:lstStyle/>
-          <a:p>
-            <a:pPr algn="ctr"/>
-            <a:endParaRPr lang="en-US"/>
-          </a:p>
-        </p:txBody>
-      </p:sp>
-    </p:spTree>
-    <p:extLst>
-      <p:ext uri="{BB962C8B-B14F-4D97-AF65-F5344CB8AC3E}">
-        <p14:creationId xmlns:p14="http://schemas.microsoft.com/office/powerpoint/2010/main" val="3644701668"/>
-      </p:ext>
-    </p:extLst>
-  </p:cSld>
-  <p:clrMapOvr>
-    <a:masterClrMapping/>
-  </p:clrMapOvr>
-</p:sld>
-</file>
-
-<file path=ppt/slides/slide3.xml><?xml version="1.0" encoding="utf-8"?>
-<p:sld xmlns:a="http://schemas.openxmlformats.org/drawingml/2006/main" xmlns:r="http://schemas.openxmlformats.org/officeDocument/2006/relationships" xmlns:p="http://schemas.openxmlformats.org/presentationml/2006/main">
-  <p:cSld>
-    <p:spTree>
-      <p:nvGrpSpPr>
-        <p:cNvPr id="1" name=""/>
-        <p:cNvGrpSpPr/>
-        <p:nvPr/>
-      </p:nvGrpSpPr>
-      <p:grpSpPr>
-        <a:xfrm>
-          <a:off x="0" y="0"/>
-          <a:ext cx="0" cy="0"/>
-          <a:chOff x="0" y="0"/>
-          <a:chExt cx="0" cy="0"/>
-        </a:xfrm>
-      </p:grpSpPr>
-      <p:sp>
-        <p:nvSpPr>
-          <p:cNvPr id="2" name="Title 1"/>
-          <p:cNvSpPr>
-            <a:spLocks noGrp="1"/>
-          </p:cNvSpPr>
-          <p:nvPr>
-            <p:ph type="title"/>
-          </p:nvPr>
-        </p:nvSpPr>
-        <p:spPr/>
-        <p:txBody>
-          <a:bodyPr/>
-          <a:lstStyle/>
-          <a:p>
-            <a:r>
-              <a:rPr lang="en-US" dirty="0" smtClean="0"/>
-              <a:t>Our Hamiltonian</a:t>
-            </a:r>
-            <a:endParaRPr lang="en-US" dirty="0"/>
-          </a:p>
-        </p:txBody>
-      </p:sp>
-      <p:sp>
-        <p:nvSpPr>
-          <p:cNvPr id="14" name="TextBox 13"/>
-          <p:cNvSpPr txBox="1"/>
-          <p:nvPr/>
-        </p:nvSpPr>
-        <p:spPr>
-          <a:xfrm>
-            <a:off x="688793" y="3250084"/>
-            <a:ext cx="7598251" cy="2554545"/>
-          </a:xfrm>
-          <a:prstGeom prst="rect">
-            <a:avLst/>
-          </a:prstGeom>
-          <a:noFill/>
-        </p:spPr>
-        <p:txBody>
-          <a:bodyPr wrap="square" rtlCol="0">
-            <a:spAutoFit/>
-          </a:bodyPr>
-          <a:lstStyle/>
-          <a:p>
-            <a:pPr marL="285750" indent="-285750">
-              <a:buFont typeface="Arial"/>
-              <a:buChar char="•"/>
-            </a:pPr>
-            <a:r>
-              <a:rPr lang="en-US" sz="3200" dirty="0" err="1" smtClean="0"/>
-              <a:t>r</a:t>
-            </a:r>
-            <a:r>
-              <a:rPr lang="en-US" sz="3200" baseline="-25000" dirty="0" err="1" smtClean="0"/>
-              <a:t>i</a:t>
-            </a:r>
-            <a:r>
-              <a:rPr lang="en-US" sz="3200" dirty="0" smtClean="0"/>
-              <a:t> is the position of </a:t>
-            </a:r>
-            <a:r>
-              <a:rPr lang="en-US" sz="3200" dirty="0" err="1" smtClean="0"/>
-              <a:t>bead</a:t>
-            </a:r>
-            <a:r>
-              <a:rPr lang="en-US" sz="3200" baseline="-25000" dirty="0" err="1" smtClean="0"/>
-              <a:t>i</a:t>
-            </a:r>
-            <a:endParaRPr lang="en-US" sz="3200" baseline="-25000" dirty="0" smtClean="0"/>
-          </a:p>
-          <a:p>
-            <a:pPr marL="285750" indent="-285750">
-              <a:buFont typeface="Arial"/>
-              <a:buChar char="•"/>
-            </a:pPr>
-            <a:r>
-              <a:rPr lang="en-US" sz="3200" dirty="0" err="1" smtClean="0"/>
-              <a:t>V</a:t>
-            </a:r>
-            <a:r>
-              <a:rPr lang="en-US" sz="3200" baseline="-25000" dirty="0" err="1" smtClean="0"/>
-              <a:t>k</a:t>
-            </a:r>
-            <a:r>
-              <a:rPr lang="en-US" sz="3200" dirty="0" smtClean="0"/>
-              <a:t> is the number of vertices for </a:t>
-            </a:r>
-            <a:r>
-              <a:rPr lang="en-US" sz="3200" dirty="0" err="1" smtClean="0"/>
-              <a:t>bead</a:t>
-            </a:r>
-            <a:r>
-              <a:rPr lang="en-US" sz="3200" baseline="-25000" dirty="0" err="1" smtClean="0"/>
-              <a:t>k</a:t>
-            </a:r>
-            <a:endParaRPr lang="en-US" sz="3200" baseline="-25000" dirty="0" smtClean="0"/>
-          </a:p>
-          <a:p>
-            <a:pPr marL="285750" indent="-285750">
-              <a:buFont typeface="Arial"/>
-              <a:buChar char="•"/>
-            </a:pPr>
-            <a:r>
-              <a:rPr lang="en-US" sz="3200" dirty="0" smtClean="0"/>
-              <a:t>V</a:t>
-            </a:r>
-            <a:r>
-              <a:rPr lang="en-US" sz="3200" baseline="-25000" dirty="0" smtClean="0"/>
-              <a:t>0</a:t>
-            </a:r>
-            <a:r>
-              <a:rPr lang="en-US" sz="3200" dirty="0" smtClean="0"/>
-              <a:t> is the actual number of vertices </a:t>
-            </a:r>
-            <a:r>
-              <a:rPr lang="en-US" sz="3200" dirty="0" err="1" smtClean="0"/>
-              <a:t>bead</a:t>
-            </a:r>
-            <a:r>
-              <a:rPr lang="en-US" sz="3200" baseline="-25000" dirty="0" err="1" smtClean="0"/>
-              <a:t>k</a:t>
-            </a:r>
-            <a:r>
-              <a:rPr lang="en-US" sz="3200" dirty="0" smtClean="0"/>
-              <a:t> should make.</a:t>
-            </a:r>
-          </a:p>
-          <a:p>
-            <a:pPr marL="285750" indent="-285750">
-              <a:buFont typeface="Arial"/>
-              <a:buChar char="•"/>
-            </a:pPr>
-            <a:r>
-              <a:rPr lang="en-US" sz="3200" dirty="0" smtClean="0"/>
-              <a:t>K</a:t>
-            </a:r>
-            <a:r>
-              <a:rPr lang="en-US" sz="3200" baseline="-25000" dirty="0" smtClean="0"/>
-              <a:t>b</a:t>
-            </a:r>
-            <a:r>
-              <a:rPr lang="en-US" sz="3200" dirty="0" smtClean="0"/>
-              <a:t> = 1, </a:t>
-            </a:r>
-            <a:r>
-              <a:rPr lang="en-US" sz="3200" dirty="0" err="1" smtClean="0"/>
-              <a:t>k</a:t>
-            </a:r>
-            <a:r>
-              <a:rPr lang="en-US" sz="3200" baseline="-25000" dirty="0" err="1" smtClean="0"/>
-              <a:t>v</a:t>
-            </a:r>
-            <a:r>
-              <a:rPr lang="en-US" sz="3200" dirty="0" smtClean="0"/>
-              <a:t> = 1024 are force constants</a:t>
-            </a:r>
-            <a:endParaRPr lang="en-US" sz="3200" dirty="0"/>
-          </a:p>
-        </p:txBody>
-      </p:sp>
-      <p:pic>
-        <p:nvPicPr>
-          <p:cNvPr id="15" name="Picture 14"/>
-          <p:cNvPicPr>
-            <a:picLocks noChangeAspect="1"/>
-          </p:cNvPicPr>
-          <p:nvPr/>
-        </p:nvPicPr>
-        <p:blipFill>
-          <a:blip r:embed="rId2"/>
-          <a:stretch>
-            <a:fillRect/>
-          </a:stretch>
-        </p:blipFill>
-        <p:spPr>
-          <a:xfrm>
-            <a:off x="871754" y="1417638"/>
-            <a:ext cx="7680314" cy="977001"/>
-          </a:xfrm>
-          <a:prstGeom prst="rect">
-            <a:avLst/>
-          </a:prstGeom>
-        </p:spPr>
-      </p:pic>
-    </p:spTree>
-    <p:extLst>
-      <p:ext uri="{BB962C8B-B14F-4D97-AF65-F5344CB8AC3E}">
-        <p14:creationId xmlns:p14="http://schemas.microsoft.com/office/powerpoint/2010/main" val="3401128084"/>
-      </p:ext>
-    </p:extLst>
-  </p:cSld>
-  <p:clrMapOvr>
-    <a:masterClrMapping/>
-  </p:clrMapOvr>
-</p:sld>
-</file>
-
-<file path=ppt/slides/slide4.xml><?xml version="1.0" encoding="utf-8"?>
-<p:sld xmlns:a="http://schemas.openxmlformats.org/drawingml/2006/main" xmlns:r="http://schemas.openxmlformats.org/officeDocument/2006/relationships" xmlns:p="http://schemas.openxmlformats.org/presentationml/2006/main">
-  <p:cSld>
-    <p:spTree>
-      <p:nvGrpSpPr>
-        <p:cNvPr id="1" name=""/>
-        <p:cNvGrpSpPr/>
-        <p:nvPr/>
-      </p:nvGrpSpPr>
-      <p:grpSpPr>
-        <a:xfrm>
-          <a:off x="0" y="0"/>
-          <a:ext cx="0" cy="0"/>
-          <a:chOff x="0" y="0"/>
-          <a:chExt cx="0" cy="0"/>
-        </a:xfrm>
-      </p:grpSpPr>
-      <p:sp>
-        <p:nvSpPr>
-          <p:cNvPr id="2" name="Title 1"/>
-          <p:cNvSpPr>
-            <a:spLocks noGrp="1"/>
-          </p:cNvSpPr>
-          <p:nvPr>
-            <p:ph type="title"/>
-          </p:nvPr>
-        </p:nvSpPr>
-        <p:spPr/>
-        <p:txBody>
-          <a:bodyPr>
-            <a:normAutofit fontScale="90000"/>
-          </a:bodyPr>
-          <a:lstStyle/>
-          <a:p>
-            <a:r>
-              <a:rPr lang="en-US" dirty="0" smtClean="0"/>
-              <a:t>Our systems (Replace with pictures)</a:t>
-            </a:r>
-            <a:endParaRPr lang="en-US" dirty="0"/>
-          </a:p>
-        </p:txBody>
-      </p:sp>
-      <p:sp>
-        <p:nvSpPr>
-          <p:cNvPr id="3" name="Content Placeholder 2"/>
-          <p:cNvSpPr>
-            <a:spLocks noGrp="1"/>
-          </p:cNvSpPr>
-          <p:nvPr>
-            <p:ph idx="1"/>
-          </p:nvPr>
-        </p:nvSpPr>
-        <p:spPr/>
-        <p:txBody>
-          <a:bodyPr/>
-          <a:lstStyle/>
-          <a:p>
-            <a:r>
-              <a:rPr lang="en-US" dirty="0" smtClean="0"/>
-              <a:t>HCP</a:t>
-            </a:r>
-          </a:p>
-          <a:p>
-            <a:r>
-              <a:rPr lang="en-US" dirty="0" smtClean="0"/>
-              <a:t>Sheared HCP</a:t>
-            </a:r>
-          </a:p>
-          <a:p>
-            <a:pPr lvl="1"/>
-            <a:r>
-              <a:rPr lang="en-US" dirty="0" smtClean="0"/>
-              <a:t>HCP with bottom half shifted by </a:t>
-            </a:r>
-            <a:r>
-              <a:rPr lang="en-US" dirty="0" err="1" smtClean="0"/>
-              <a:t>δx</a:t>
-            </a:r>
-            <a:r>
-              <a:rPr lang="en-US" dirty="0" smtClean="0"/>
-              <a:t> +0.2</a:t>
-            </a:r>
-          </a:p>
-          <a:p>
-            <a:pPr lvl="1"/>
-            <a:r>
-              <a:rPr lang="en-US" dirty="0" smtClean="0"/>
-              <a:t>HCP with lower triangular half shifted by </a:t>
-            </a:r>
-            <a:r>
-              <a:rPr lang="en-US" dirty="0" err="1" smtClean="0"/>
-              <a:t>δx</a:t>
-            </a:r>
-            <a:r>
-              <a:rPr lang="en-US" dirty="0" smtClean="0"/>
-              <a:t> +0.2 </a:t>
-            </a:r>
-            <a:r>
-              <a:rPr lang="en-US" dirty="0" err="1" smtClean="0"/>
-              <a:t>δy</a:t>
-            </a:r>
-            <a:r>
-              <a:rPr lang="en-US" dirty="0" smtClean="0"/>
-              <a:t> +0.2</a:t>
-            </a:r>
-          </a:p>
-          <a:p>
-            <a:r>
-              <a:rPr lang="en-US" dirty="0" smtClean="0"/>
-              <a:t>Square lattice</a:t>
-            </a:r>
-          </a:p>
-          <a:p>
-            <a:r>
-              <a:rPr lang="en-US" dirty="0" smtClean="0"/>
-              <a:t>Random lattice</a:t>
-            </a:r>
-          </a:p>
-          <a:p>
-            <a:endParaRPr lang="en-US" dirty="0"/>
-          </a:p>
-        </p:txBody>
-      </p:sp>
-    </p:spTree>
-    <p:extLst>
-      <p:ext uri="{BB962C8B-B14F-4D97-AF65-F5344CB8AC3E}">
-        <p14:creationId xmlns:p14="http://schemas.microsoft.com/office/powerpoint/2010/main" val="768269377"/>
-      </p:ext>
-    </p:extLst>
-  </p:cSld>
-  <p:clrMapOvr>
-    <a:masterClrMapping/>
-  </p:clrMapOvr>
-  <p:timing>
-    <p:tnLst>
-      <p:par>
-        <p:cTn xmlns:p14="http://schemas.microsoft.com/office/powerpoint/2010/main" id="1" dur="indefinite" restart="never" nodeType="tmRoot"/>
-      </p:par>
-    </p:tnLst>
-  </p:timing>
-</p:sld>
-</file>
-
-<file path=ppt/slides/slide5.xml><?xml version="1.0" encoding="utf-8"?>
-<p:sld xmlns:a="http://schemas.openxmlformats.org/drawingml/2006/main" xmlns:r="http://schemas.openxmlformats.org/officeDocument/2006/relationships" xmlns:p="http://schemas.openxmlformats.org/presentationml/2006/main">
-  <p:cSld>
-    <p:spTree>
-      <p:nvGrpSpPr>
-        <p:cNvPr id="1" name=""/>
-        <p:cNvGrpSpPr/>
-        <p:nvPr/>
-      </p:nvGrpSpPr>
-      <p:grpSpPr>
-        <a:xfrm>
-          <a:off x="0" y="0"/>
-          <a:ext cx="0" cy="0"/>
-          <a:chOff x="0" y="0"/>
-          <a:chExt cx="0" cy="0"/>
-        </a:xfrm>
-      </p:grpSpPr>
-      <p:pic>
-        <p:nvPicPr>
-          <p:cNvPr id="6" name="Picture 5" descr="hcpvsshearedhcp.tga"/>
-          <p:cNvPicPr>
-            <a:picLocks noChangeAspect="1"/>
-          </p:cNvPicPr>
-          <p:nvPr/>
-        </p:nvPicPr>
-        <p:blipFill>
-          <a:blip r:embed="rId2">
-            <a:extLst>
-              <a:ext uri="{28A0092B-C50C-407E-A947-70E740481C1C}">
-                <a14:useLocalDpi xmlns:a14="http://schemas.microsoft.com/office/drawing/2010/main" val="0"/>
-              </a:ext>
-            </a:extLst>
-          </a:blip>
-          <a:stretch>
-            <a:fillRect/>
-          </a:stretch>
-        </p:blipFill>
-        <p:spPr>
-          <a:xfrm>
-            <a:off x="2314221" y="1585147"/>
-            <a:ext cx="4953941" cy="4953941"/>
-          </a:xfrm>
-          <a:prstGeom prst="rect">
-            <a:avLst/>
-          </a:prstGeom>
-        </p:spPr>
-      </p:pic>
-      <p:sp>
-        <p:nvSpPr>
-          <p:cNvPr id="2" name="Title 1"/>
-          <p:cNvSpPr>
-            <a:spLocks noGrp="1"/>
-          </p:cNvSpPr>
-          <p:nvPr>
-            <p:ph type="title"/>
-          </p:nvPr>
-        </p:nvSpPr>
-        <p:spPr/>
-        <p:txBody>
-          <a:bodyPr>
-            <a:normAutofit fontScale="90000"/>
-          </a:bodyPr>
-          <a:lstStyle/>
-          <a:p>
-            <a:r>
-              <a:rPr lang="en-US" dirty="0" smtClean="0"/>
-              <a:t>Hexagonal lattice </a:t>
-            </a:r>
-            <a:r>
-              <a:rPr lang="en-US" dirty="0" err="1" smtClean="0"/>
-              <a:t>vs</a:t>
-            </a:r>
-            <a:r>
-              <a:rPr lang="en-US" dirty="0" smtClean="0"/>
-              <a:t> sheared hexagonal lattice</a:t>
-            </a:r>
-            <a:endParaRPr lang="en-US" dirty="0"/>
-          </a:p>
-        </p:txBody>
-      </p:sp>
-    </p:spTree>
-    <p:extLst>
-      <p:ext uri="{BB962C8B-B14F-4D97-AF65-F5344CB8AC3E}">
-        <p14:creationId xmlns:p14="http://schemas.microsoft.com/office/powerpoint/2010/main" val="3172712291"/>
-      </p:ext>
-    </p:extLst>
-  </p:cSld>
-  <p:clrMapOvr>
-    <a:masterClrMapping/>
-  </p:clrMapOvr>
-</p:sld>
-</file>
-
-<file path=ppt/slides/slide6.xml><?xml version="1.0" encoding="utf-8"?>
-<p:sld xmlns:a="http://schemas.openxmlformats.org/drawingml/2006/main" xmlns:r="http://schemas.openxmlformats.org/officeDocument/2006/relationships" xmlns:p="http://schemas.openxmlformats.org/presentationml/2006/main">
-  <p:cSld>
-    <p:spTree>
-      <p:nvGrpSpPr>
-        <p:cNvPr id="1" name=""/>
-        <p:cNvGrpSpPr/>
-        <p:nvPr/>
-      </p:nvGrpSpPr>
-      <p:grpSpPr>
-        <a:xfrm>
-          <a:off x="0" y="0"/>
-          <a:ext cx="0" cy="0"/>
-          <a:chOff x="0" y="0"/>
-          <a:chExt cx="0" cy="0"/>
-        </a:xfrm>
-      </p:grpSpPr>
-      <p:sp>
-        <p:nvSpPr>
-          <p:cNvPr id="2" name="Title 1"/>
-          <p:cNvSpPr>
-            <a:spLocks noGrp="1"/>
-          </p:cNvSpPr>
-          <p:nvPr>
-            <p:ph type="title"/>
-          </p:nvPr>
-        </p:nvSpPr>
-        <p:spPr/>
-        <p:txBody>
-          <a:bodyPr/>
-          <a:lstStyle/>
-          <a:p>
-            <a:r>
-              <a:rPr lang="en-US" dirty="0" smtClean="0"/>
-              <a:t>Code implementation	</a:t>
-            </a:r>
-            <a:endParaRPr lang="en-US" dirty="0"/>
-          </a:p>
-        </p:txBody>
-      </p:sp>
-      <p:sp>
-        <p:nvSpPr>
-          <p:cNvPr id="3" name="Content Placeholder 2"/>
-          <p:cNvSpPr>
-            <a:spLocks noGrp="1"/>
-          </p:cNvSpPr>
-          <p:nvPr>
-            <p:ph idx="1"/>
-          </p:nvPr>
-        </p:nvSpPr>
-        <p:spPr/>
-        <p:txBody>
-          <a:bodyPr/>
-          <a:lstStyle/>
-          <a:p>
-            <a:r>
-              <a:rPr lang="en-US" b="1" dirty="0" smtClean="0"/>
-              <a:t>Java – </a:t>
-            </a:r>
-            <a:r>
-              <a:rPr lang="en-US" b="1" i="1" dirty="0" err="1" smtClean="0"/>
-              <a:t>Heavylifting</a:t>
-            </a:r>
-            <a:endParaRPr lang="en-US" dirty="0" smtClean="0"/>
-          </a:p>
-          <a:p>
-            <a:pPr lvl="1"/>
-            <a:r>
-              <a:rPr lang="en-US" dirty="0" smtClean="0"/>
-              <a:t>Software Java 1.6 </a:t>
-            </a:r>
-          </a:p>
-          <a:p>
-            <a:r>
-              <a:rPr lang="en-US" dirty="0" smtClean="0"/>
-              <a:t>Python – </a:t>
-            </a:r>
-            <a:r>
-              <a:rPr lang="en-US" i="1" dirty="0" smtClean="0"/>
-              <a:t>Analysis</a:t>
-            </a:r>
-          </a:p>
-          <a:p>
-            <a:r>
-              <a:rPr lang="en-US" dirty="0" err="1" smtClean="0"/>
-              <a:t>Tcl</a:t>
-            </a:r>
-            <a:r>
-              <a:rPr lang="en-US" dirty="0" smtClean="0"/>
-              <a:t> – </a:t>
-            </a:r>
-            <a:r>
-              <a:rPr lang="en-US" i="1" dirty="0" smtClean="0"/>
-              <a:t>Analysis</a:t>
-            </a:r>
-            <a:r>
-              <a:rPr lang="en-US" dirty="0" smtClean="0"/>
-              <a:t> </a:t>
-            </a:r>
-          </a:p>
-          <a:p>
-            <a:pPr lvl="1"/>
-            <a:endParaRPr lang="en-US" dirty="0"/>
-          </a:p>
-        </p:txBody>
-      </p:sp>
-    </p:spTree>
-    <p:extLst>
-      <p:ext uri="{BB962C8B-B14F-4D97-AF65-F5344CB8AC3E}">
-        <p14:creationId xmlns:p14="http://schemas.microsoft.com/office/powerpoint/2010/main" val="2877424629"/>
-      </p:ext>
-    </p:extLst>
-  </p:cSld>
-  <p:clrMapOvr>
-    <a:masterClrMapping/>
-  </p:clrMapOvr>
-</p:sld>
-</file>
-
-<file path=ppt/slides/slide7.xml><?xml version="1.0" encoding="utf-8"?>
-<p:sld xmlns:a="http://schemas.openxmlformats.org/drawingml/2006/main" xmlns:r="http://schemas.openxmlformats.org/officeDocument/2006/relationships" xmlns:p="http://schemas.openxmlformats.org/presentationml/2006/main">
-  <p:cSld>
-    <p:spTree>
-      <p:nvGrpSpPr>
-        <p:cNvPr id="1" name=""/>
-        <p:cNvGrpSpPr/>
-        <p:nvPr/>
-      </p:nvGrpSpPr>
-      <p:grpSpPr>
-        <a:xfrm>
-          <a:off x="0" y="0"/>
-          <a:ext cx="0" cy="0"/>
-          <a:chOff x="0" y="0"/>
-          <a:chExt cx="0" cy="0"/>
-        </a:xfrm>
-      </p:grpSpPr>
-      <p:sp>
-        <p:nvSpPr>
-          <p:cNvPr id="4" name="Title 3"/>
-          <p:cNvSpPr>
-            <a:spLocks noGrp="1"/>
-          </p:cNvSpPr>
-          <p:nvPr>
-            <p:ph type="title"/>
-          </p:nvPr>
-        </p:nvSpPr>
-        <p:spPr/>
-        <p:txBody>
-          <a:bodyPr/>
-          <a:lstStyle/>
-          <a:p>
-            <a:r>
-              <a:rPr lang="en-US" dirty="0" smtClean="0"/>
-              <a:t>Simulated Annealing</a:t>
-            </a:r>
-            <a:endParaRPr lang="en-US" dirty="0"/>
-          </a:p>
-        </p:txBody>
-      </p:sp>
-      <p:sp>
-        <p:nvSpPr>
-          <p:cNvPr id="5" name="Content Placeholder 4"/>
-          <p:cNvSpPr>
-            <a:spLocks noGrp="1"/>
-          </p:cNvSpPr>
-          <p:nvPr>
-            <p:ph idx="1"/>
-          </p:nvPr>
-        </p:nvSpPr>
-        <p:spPr/>
-        <p:txBody>
-          <a:bodyPr/>
-          <a:lstStyle/>
-          <a:p>
-            <a:endParaRPr lang="en-US"/>
-          </a:p>
-        </p:txBody>
-      </p:sp>
-    </p:spTree>
-    <p:extLst>
-      <p:ext uri="{BB962C8B-B14F-4D97-AF65-F5344CB8AC3E}">
-        <p14:creationId xmlns:p14="http://schemas.microsoft.com/office/powerpoint/2010/main" val="3657239258"/>
-      </p:ext>
-    </p:extLst>
-  </p:cSld>
-  <p:clrMapOvr>
-    <a:masterClrMapping/>
-  </p:clrMapOvr>
-</p:sld>
-</file>
-
-<file path=ppt/slides/slide8.xml><?xml version="1.0" encoding="utf-8"?>
 <p:sld xmlns:a="http://schemas.openxmlformats.org/drawingml/2006/main" xmlns:r="http://schemas.openxmlformats.org/officeDocument/2006/relationships" xmlns:p="http://schemas.openxmlformats.org/presentationml/2006/main">
   <p:cSld>
     <p:spTree>
@@ -4380,7 +3346,7 @@
 </p:sld>
 </file>
 
-<file path=ppt/slides/slide9.xml><?xml version="1.0" encoding="utf-8"?>
+<file path=ppt/slides/slide12.xml><?xml version="1.0" encoding="utf-8"?>
 <p:sld xmlns:a="http://schemas.openxmlformats.org/drawingml/2006/main" xmlns:r="http://schemas.openxmlformats.org/officeDocument/2006/relationships" xmlns:p="http://schemas.openxmlformats.org/presentationml/2006/main">
   <p:cSld>
     <p:spTree>
@@ -4534,11 +3500,7 @@
           <a:p>
             <a:r>
               <a:rPr lang="en-US" dirty="0" smtClean="0"/>
-              <a:t>Sheared </a:t>
-            </a:r>
-            <a:r>
-              <a:rPr lang="en-US" dirty="0" smtClean="0"/>
-              <a:t>hexagonal lattice</a:t>
+              <a:t>Sheared hexagonal lattice</a:t>
             </a:r>
             <a:endParaRPr lang="en-US" dirty="0"/>
           </a:p>
@@ -4548,6 +3510,1295 @@
     <p:extLst>
       <p:ext uri="{BB962C8B-B14F-4D97-AF65-F5344CB8AC3E}">
         <p14:creationId xmlns:p14="http://schemas.microsoft.com/office/powerpoint/2010/main" val="1544654399"/>
+      </p:ext>
+    </p:extLst>
+  </p:cSld>
+  <p:clrMapOvr>
+    <a:masterClrMapping/>
+  </p:clrMapOvr>
+</p:sld>
+</file>
+
+<file path=ppt/slides/slide13.xml><?xml version="1.0" encoding="utf-8"?>
+<p:sld xmlns:a="http://schemas.openxmlformats.org/drawingml/2006/main" xmlns:r="http://schemas.openxmlformats.org/officeDocument/2006/relationships" xmlns:p="http://schemas.openxmlformats.org/presentationml/2006/main">
+  <p:cSld>
+    <p:spTree>
+      <p:nvGrpSpPr>
+        <p:cNvPr id="1" name=""/>
+        <p:cNvGrpSpPr/>
+        <p:nvPr/>
+      </p:nvGrpSpPr>
+      <p:grpSpPr>
+        <a:xfrm>
+          <a:off x="0" y="0"/>
+          <a:ext cx="0" cy="0"/>
+          <a:chOff x="0" y="0"/>
+          <a:chExt cx="0" cy="0"/>
+        </a:xfrm>
+      </p:grpSpPr>
+      <p:sp>
+        <p:nvSpPr>
+          <p:cNvPr id="2" name="Title 1"/>
+          <p:cNvSpPr>
+            <a:spLocks noGrp="1"/>
+          </p:cNvSpPr>
+          <p:nvPr>
+            <p:ph type="title"/>
+          </p:nvPr>
+        </p:nvSpPr>
+        <p:spPr/>
+        <p:txBody>
+          <a:bodyPr/>
+          <a:lstStyle/>
+          <a:p>
+            <a:r>
+              <a:rPr lang="en-US" dirty="0" smtClean="0"/>
+              <a:t>Comparison</a:t>
+            </a:r>
+            <a:endParaRPr lang="en-US" dirty="0"/>
+          </a:p>
+        </p:txBody>
+      </p:sp>
+      <p:sp>
+        <p:nvSpPr>
+          <p:cNvPr id="3" name="Content Placeholder 2"/>
+          <p:cNvSpPr>
+            <a:spLocks noGrp="1"/>
+          </p:cNvSpPr>
+          <p:nvPr>
+            <p:ph idx="1"/>
+          </p:nvPr>
+        </p:nvSpPr>
+        <p:spPr/>
+        <p:txBody>
+          <a:bodyPr/>
+          <a:lstStyle/>
+          <a:p>
+            <a:r>
+              <a:rPr lang="en-US" dirty="0" smtClean="0"/>
+              <a:t>Runtime/Number of iterations</a:t>
+            </a:r>
+          </a:p>
+          <a:p>
+            <a:r>
+              <a:rPr lang="en-US" dirty="0" err="1" smtClean="0"/>
+              <a:t>Avg</a:t>
+            </a:r>
+            <a:r>
+              <a:rPr lang="en-US" dirty="0"/>
+              <a:t> </a:t>
+            </a:r>
+            <a:r>
+              <a:rPr lang="en-US" dirty="0" smtClean="0"/>
+              <a:t>Final Energy</a:t>
+            </a:r>
+          </a:p>
+          <a:p>
+            <a:r>
+              <a:rPr lang="en-US" dirty="0" smtClean="0"/>
+              <a:t>Standard Deviation</a:t>
+            </a:r>
+            <a:endParaRPr lang="en-US" dirty="0"/>
+          </a:p>
+        </p:txBody>
+      </p:sp>
+    </p:spTree>
+    <p:extLst>
+      <p:ext uri="{BB962C8B-B14F-4D97-AF65-F5344CB8AC3E}">
+        <p14:creationId xmlns:p14="http://schemas.microsoft.com/office/powerpoint/2010/main" val="4279867962"/>
+      </p:ext>
+    </p:extLst>
+  </p:cSld>
+  <p:clrMapOvr>
+    <a:masterClrMapping/>
+  </p:clrMapOvr>
+</p:sld>
+</file>
+
+<file path=ppt/slides/slide14.xml><?xml version="1.0" encoding="utf-8"?>
+<p:sld xmlns:a="http://schemas.openxmlformats.org/drawingml/2006/main" xmlns:r="http://schemas.openxmlformats.org/officeDocument/2006/relationships" xmlns:p="http://schemas.openxmlformats.org/presentationml/2006/main">
+  <p:cSld>
+    <p:spTree>
+      <p:nvGrpSpPr>
+        <p:cNvPr id="1" name=""/>
+        <p:cNvGrpSpPr/>
+        <p:nvPr/>
+      </p:nvGrpSpPr>
+      <p:grpSpPr>
+        <a:xfrm>
+          <a:off x="0" y="0"/>
+          <a:ext cx="0" cy="0"/>
+          <a:chOff x="0" y="0"/>
+          <a:chExt cx="0" cy="0"/>
+        </a:xfrm>
+      </p:grpSpPr>
+      <p:sp>
+        <p:nvSpPr>
+          <p:cNvPr id="2" name="Title 1"/>
+          <p:cNvSpPr>
+            <a:spLocks noGrp="1"/>
+          </p:cNvSpPr>
+          <p:nvPr>
+            <p:ph type="title"/>
+          </p:nvPr>
+        </p:nvSpPr>
+        <p:spPr/>
+        <p:txBody>
+          <a:bodyPr/>
+          <a:lstStyle/>
+          <a:p>
+            <a:r>
+              <a:rPr lang="en-US" dirty="0" smtClean="0"/>
+              <a:t>Different solutions</a:t>
+            </a:r>
+            <a:endParaRPr lang="en-US" dirty="0"/>
+          </a:p>
+        </p:txBody>
+      </p:sp>
+      <p:sp>
+        <p:nvSpPr>
+          <p:cNvPr id="3" name="Content Placeholder 2"/>
+          <p:cNvSpPr>
+            <a:spLocks noGrp="1"/>
+          </p:cNvSpPr>
+          <p:nvPr>
+            <p:ph idx="1"/>
+          </p:nvPr>
+        </p:nvSpPr>
+        <p:spPr/>
+        <p:txBody>
+          <a:bodyPr/>
+          <a:lstStyle/>
+          <a:p>
+            <a:endParaRPr lang="en-US"/>
+          </a:p>
+        </p:txBody>
+      </p:sp>
+    </p:spTree>
+    <p:extLst>
+      <p:ext uri="{BB962C8B-B14F-4D97-AF65-F5344CB8AC3E}">
+        <p14:creationId xmlns:p14="http://schemas.microsoft.com/office/powerpoint/2010/main" val="3775196763"/>
+      </p:ext>
+    </p:extLst>
+  </p:cSld>
+  <p:clrMapOvr>
+    <a:masterClrMapping/>
+  </p:clrMapOvr>
+</p:sld>
+</file>
+
+<file path=ppt/slides/slide15.xml><?xml version="1.0" encoding="utf-8"?>
+<p:sld xmlns:a="http://schemas.openxmlformats.org/drawingml/2006/main" xmlns:r="http://schemas.openxmlformats.org/officeDocument/2006/relationships" xmlns:p="http://schemas.openxmlformats.org/presentationml/2006/main">
+  <p:cSld>
+    <p:spTree>
+      <p:nvGrpSpPr>
+        <p:cNvPr id="1" name=""/>
+        <p:cNvGrpSpPr/>
+        <p:nvPr/>
+      </p:nvGrpSpPr>
+      <p:grpSpPr>
+        <a:xfrm>
+          <a:off x="0" y="0"/>
+          <a:ext cx="0" cy="0"/>
+          <a:chOff x="0" y="0"/>
+          <a:chExt cx="0" cy="0"/>
+        </a:xfrm>
+      </p:grpSpPr>
+      <p:sp>
+        <p:nvSpPr>
+          <p:cNvPr id="2" name="Title 1"/>
+          <p:cNvSpPr>
+            <a:spLocks noGrp="1"/>
+          </p:cNvSpPr>
+          <p:nvPr>
+            <p:ph type="title"/>
+          </p:nvPr>
+        </p:nvSpPr>
+        <p:spPr/>
+        <p:txBody>
+          <a:bodyPr/>
+          <a:lstStyle/>
+          <a:p>
+            <a:r>
+              <a:rPr lang="en-US" dirty="0" smtClean="0"/>
+              <a:t>Conclusion</a:t>
+            </a:r>
+            <a:endParaRPr lang="en-US" dirty="0"/>
+          </a:p>
+        </p:txBody>
+      </p:sp>
+      <p:sp>
+        <p:nvSpPr>
+          <p:cNvPr id="3" name="Content Placeholder 2"/>
+          <p:cNvSpPr>
+            <a:spLocks noGrp="1"/>
+          </p:cNvSpPr>
+          <p:nvPr>
+            <p:ph idx="1"/>
+          </p:nvPr>
+        </p:nvSpPr>
+        <p:spPr/>
+        <p:txBody>
+          <a:bodyPr/>
+          <a:lstStyle/>
+          <a:p>
+            <a:endParaRPr lang="en-US"/>
+          </a:p>
+        </p:txBody>
+      </p:sp>
+    </p:spTree>
+    <p:extLst>
+      <p:ext uri="{BB962C8B-B14F-4D97-AF65-F5344CB8AC3E}">
+        <p14:creationId xmlns:p14="http://schemas.microsoft.com/office/powerpoint/2010/main" val="2616891662"/>
+      </p:ext>
+    </p:extLst>
+  </p:cSld>
+  <p:clrMapOvr>
+    <a:masterClrMapping/>
+  </p:clrMapOvr>
+</p:sld>
+</file>
+
+<file path=ppt/slides/slide2.xml><?xml version="1.0" encoding="utf-8"?>
+<p:sld xmlns:a="http://schemas.openxmlformats.org/drawingml/2006/main" xmlns:r="http://schemas.openxmlformats.org/officeDocument/2006/relationships" xmlns:p="http://schemas.openxmlformats.org/presentationml/2006/main">
+  <p:cSld>
+    <p:spTree>
+      <p:nvGrpSpPr>
+        <p:cNvPr id="1" name=""/>
+        <p:cNvGrpSpPr/>
+        <p:nvPr/>
+      </p:nvGrpSpPr>
+      <p:grpSpPr>
+        <a:xfrm>
+          <a:off x="0" y="0"/>
+          <a:ext cx="0" cy="0"/>
+          <a:chOff x="0" y="0"/>
+          <a:chExt cx="0" cy="0"/>
+        </a:xfrm>
+      </p:grpSpPr>
+      <p:sp>
+        <p:nvSpPr>
+          <p:cNvPr id="2" name="Title 1"/>
+          <p:cNvSpPr>
+            <a:spLocks noGrp="1"/>
+          </p:cNvSpPr>
+          <p:nvPr>
+            <p:ph type="title"/>
+          </p:nvPr>
+        </p:nvSpPr>
+        <p:spPr/>
+        <p:txBody>
+          <a:bodyPr/>
+          <a:lstStyle/>
+          <a:p>
+            <a:r>
+              <a:rPr lang="en-US" dirty="0" smtClean="0"/>
+              <a:t>Problem</a:t>
+            </a:r>
+            <a:endParaRPr lang="en-US" dirty="0"/>
+          </a:p>
+        </p:txBody>
+      </p:sp>
+      <p:sp>
+        <p:nvSpPr>
+          <p:cNvPr id="3" name="Content Placeholder 2"/>
+          <p:cNvSpPr>
+            <a:spLocks noGrp="1"/>
+          </p:cNvSpPr>
+          <p:nvPr>
+            <p:ph idx="1"/>
+          </p:nvPr>
+        </p:nvSpPr>
+        <p:spPr/>
+        <p:txBody>
+          <a:bodyPr/>
+          <a:lstStyle/>
+          <a:p>
+            <a:endParaRPr lang="en-US"/>
+          </a:p>
+        </p:txBody>
+      </p:sp>
+    </p:spTree>
+    <p:extLst>
+      <p:ext uri="{BB962C8B-B14F-4D97-AF65-F5344CB8AC3E}">
+        <p14:creationId xmlns:p14="http://schemas.microsoft.com/office/powerpoint/2010/main" val="1619675459"/>
+      </p:ext>
+    </p:extLst>
+  </p:cSld>
+  <p:clrMapOvr>
+    <a:masterClrMapping/>
+  </p:clrMapOvr>
+</p:sld>
+</file>
+
+<file path=ppt/slides/slide3.xml><?xml version="1.0" encoding="utf-8"?>
+<p:sld xmlns:a="http://schemas.openxmlformats.org/drawingml/2006/main" xmlns:r="http://schemas.openxmlformats.org/officeDocument/2006/relationships" xmlns:p="http://schemas.openxmlformats.org/presentationml/2006/main">
+  <p:cSld>
+    <p:spTree>
+      <p:nvGrpSpPr>
+        <p:cNvPr id="1" name=""/>
+        <p:cNvGrpSpPr/>
+        <p:nvPr/>
+      </p:nvGrpSpPr>
+      <p:grpSpPr>
+        <a:xfrm>
+          <a:off x="0" y="0"/>
+          <a:ext cx="0" cy="0"/>
+          <a:chOff x="0" y="0"/>
+          <a:chExt cx="0" cy="0"/>
+        </a:xfrm>
+      </p:grpSpPr>
+      <p:sp>
+        <p:nvSpPr>
+          <p:cNvPr id="2" name="Title 1"/>
+          <p:cNvSpPr>
+            <a:spLocks noGrp="1"/>
+          </p:cNvSpPr>
+          <p:nvPr>
+            <p:ph type="title"/>
+          </p:nvPr>
+        </p:nvSpPr>
+        <p:spPr/>
+        <p:txBody>
+          <a:bodyPr/>
+          <a:lstStyle/>
+          <a:p>
+            <a:r>
+              <a:rPr lang="en-US" dirty="0" smtClean="0"/>
+              <a:t>Hierarchy of optimization methods</a:t>
+            </a:r>
+            <a:endParaRPr lang="en-US" dirty="0"/>
+          </a:p>
+        </p:txBody>
+      </p:sp>
+      <p:pic>
+        <p:nvPicPr>
+          <p:cNvPr id="7" name="Picture 6" descr="Network 0.png"/>
+          <p:cNvPicPr>
+            <a:picLocks noChangeAspect="1"/>
+          </p:cNvPicPr>
+          <p:nvPr/>
+        </p:nvPicPr>
+        <p:blipFill>
+          <a:blip r:embed="rId2">
+            <a:extLst>
+              <a:ext uri="{28A0092B-C50C-407E-A947-70E740481C1C}">
+                <a14:useLocalDpi xmlns:a14="http://schemas.microsoft.com/office/drawing/2010/main" val="0"/>
+              </a:ext>
+            </a:extLst>
+          </a:blip>
+          <a:stretch>
+            <a:fillRect/>
+          </a:stretch>
+        </p:blipFill>
+        <p:spPr>
+          <a:xfrm>
+            <a:off x="698737" y="1417638"/>
+            <a:ext cx="7867640" cy="3597420"/>
+          </a:xfrm>
+          <a:prstGeom prst="rect">
+            <a:avLst/>
+          </a:prstGeom>
+        </p:spPr>
+      </p:pic>
+      <p:sp>
+        <p:nvSpPr>
+          <p:cNvPr id="8" name="Rectangle 7"/>
+          <p:cNvSpPr/>
+          <p:nvPr/>
+        </p:nvSpPr>
+        <p:spPr>
+          <a:xfrm>
+            <a:off x="5316623" y="3556796"/>
+            <a:ext cx="889579" cy="742569"/>
+          </a:xfrm>
+          <a:prstGeom prst="rect">
+            <a:avLst/>
+          </a:prstGeom>
+          <a:solidFill>
+            <a:srgbClr val="FFFF00">
+              <a:alpha val="15000"/>
+            </a:srgbClr>
+          </a:solidFill>
+        </p:spPr>
+        <p:style>
+          <a:lnRef idx="1">
+            <a:schemeClr val="accent1"/>
+          </a:lnRef>
+          <a:fillRef idx="3">
+            <a:schemeClr val="accent1"/>
+          </a:fillRef>
+          <a:effectRef idx="2">
+            <a:schemeClr val="accent1"/>
+          </a:effectRef>
+          <a:fontRef idx="minor">
+            <a:schemeClr val="lt1"/>
+          </a:fontRef>
+        </p:style>
+        <p:txBody>
+          <a:bodyPr rtlCol="0" anchor="ctr"/>
+          <a:lstStyle/>
+          <a:p>
+            <a:pPr algn="ctr"/>
+            <a:endParaRPr lang="en-US"/>
+          </a:p>
+        </p:txBody>
+      </p:sp>
+      <p:sp>
+        <p:nvSpPr>
+          <p:cNvPr id="9" name="Rectangle 8"/>
+          <p:cNvSpPr/>
+          <p:nvPr/>
+        </p:nvSpPr>
+        <p:spPr>
+          <a:xfrm>
+            <a:off x="6943471" y="3016224"/>
+            <a:ext cx="947091" cy="790576"/>
+          </a:xfrm>
+          <a:prstGeom prst="rect">
+            <a:avLst/>
+          </a:prstGeom>
+          <a:solidFill>
+            <a:srgbClr val="FFFF00">
+              <a:alpha val="15000"/>
+            </a:srgbClr>
+          </a:solidFill>
+        </p:spPr>
+        <p:style>
+          <a:lnRef idx="1">
+            <a:schemeClr val="accent1"/>
+          </a:lnRef>
+          <a:fillRef idx="3">
+            <a:schemeClr val="accent1"/>
+          </a:fillRef>
+          <a:effectRef idx="2">
+            <a:schemeClr val="accent1"/>
+          </a:effectRef>
+          <a:fontRef idx="minor">
+            <a:schemeClr val="lt1"/>
+          </a:fontRef>
+        </p:style>
+        <p:txBody>
+          <a:bodyPr rtlCol="0" anchor="ctr"/>
+          <a:lstStyle/>
+          <a:p>
+            <a:pPr algn="ctr"/>
+            <a:endParaRPr lang="en-US"/>
+          </a:p>
+        </p:txBody>
+      </p:sp>
+      <p:sp>
+        <p:nvSpPr>
+          <p:cNvPr id="10" name="Rectangle 9"/>
+          <p:cNvSpPr/>
+          <p:nvPr/>
+        </p:nvSpPr>
+        <p:spPr>
+          <a:xfrm>
+            <a:off x="7802557" y="3928081"/>
+            <a:ext cx="884243" cy="738115"/>
+          </a:xfrm>
+          <a:prstGeom prst="rect">
+            <a:avLst/>
+          </a:prstGeom>
+          <a:solidFill>
+            <a:srgbClr val="FFFF00">
+              <a:alpha val="15000"/>
+            </a:srgbClr>
+          </a:solidFill>
+        </p:spPr>
+        <p:style>
+          <a:lnRef idx="1">
+            <a:schemeClr val="accent1"/>
+          </a:lnRef>
+          <a:fillRef idx="3">
+            <a:schemeClr val="accent1"/>
+          </a:fillRef>
+          <a:effectRef idx="2">
+            <a:schemeClr val="accent1"/>
+          </a:effectRef>
+          <a:fontRef idx="minor">
+            <a:schemeClr val="lt1"/>
+          </a:fontRef>
+        </p:style>
+        <p:txBody>
+          <a:bodyPr rtlCol="0" anchor="ctr"/>
+          <a:lstStyle/>
+          <a:p>
+            <a:pPr algn="ctr"/>
+            <a:endParaRPr lang="en-US"/>
+          </a:p>
+        </p:txBody>
+      </p:sp>
+      <p:sp>
+        <p:nvSpPr>
+          <p:cNvPr id="11" name="Rectangle 10"/>
+          <p:cNvSpPr/>
+          <p:nvPr/>
+        </p:nvSpPr>
+        <p:spPr>
+          <a:xfrm>
+            <a:off x="3673676" y="3016224"/>
+            <a:ext cx="889579" cy="742569"/>
+          </a:xfrm>
+          <a:prstGeom prst="rect">
+            <a:avLst/>
+          </a:prstGeom>
+          <a:solidFill>
+            <a:srgbClr val="FFFF00">
+              <a:alpha val="15000"/>
+            </a:srgbClr>
+          </a:solidFill>
+        </p:spPr>
+        <p:style>
+          <a:lnRef idx="1">
+            <a:schemeClr val="accent1"/>
+          </a:lnRef>
+          <a:fillRef idx="3">
+            <a:schemeClr val="accent1"/>
+          </a:fillRef>
+          <a:effectRef idx="2">
+            <a:schemeClr val="accent1"/>
+          </a:effectRef>
+          <a:fontRef idx="minor">
+            <a:schemeClr val="lt1"/>
+          </a:fontRef>
+        </p:style>
+        <p:txBody>
+          <a:bodyPr rtlCol="0" anchor="ctr"/>
+          <a:lstStyle/>
+          <a:p>
+            <a:pPr algn="ctr"/>
+            <a:endParaRPr lang="en-US"/>
+          </a:p>
+        </p:txBody>
+      </p:sp>
+    </p:spTree>
+    <p:extLst>
+      <p:ext uri="{BB962C8B-B14F-4D97-AF65-F5344CB8AC3E}">
+        <p14:creationId xmlns:p14="http://schemas.microsoft.com/office/powerpoint/2010/main" val="3644701668"/>
+      </p:ext>
+    </p:extLst>
+  </p:cSld>
+  <p:clrMapOvr>
+    <a:masterClrMapping/>
+  </p:clrMapOvr>
+</p:sld>
+</file>
+
+<file path=ppt/slides/slide4.xml><?xml version="1.0" encoding="utf-8"?>
+<p:sld xmlns:a="http://schemas.openxmlformats.org/drawingml/2006/main" xmlns:r="http://schemas.openxmlformats.org/officeDocument/2006/relationships" xmlns:p="http://schemas.openxmlformats.org/presentationml/2006/main">
+  <p:cSld>
+    <p:spTree>
+      <p:nvGrpSpPr>
+        <p:cNvPr id="1" name=""/>
+        <p:cNvGrpSpPr/>
+        <p:nvPr/>
+      </p:nvGrpSpPr>
+      <p:grpSpPr>
+        <a:xfrm>
+          <a:off x="0" y="0"/>
+          <a:ext cx="0" cy="0"/>
+          <a:chOff x="0" y="0"/>
+          <a:chExt cx="0" cy="0"/>
+        </a:xfrm>
+      </p:grpSpPr>
+      <p:sp>
+        <p:nvSpPr>
+          <p:cNvPr id="2" name="Title 1"/>
+          <p:cNvSpPr>
+            <a:spLocks noGrp="1"/>
+          </p:cNvSpPr>
+          <p:nvPr>
+            <p:ph type="title"/>
+          </p:nvPr>
+        </p:nvSpPr>
+        <p:spPr/>
+        <p:txBody>
+          <a:bodyPr/>
+          <a:lstStyle/>
+          <a:p>
+            <a:r>
+              <a:rPr lang="en-US" dirty="0" smtClean="0"/>
+              <a:t>Our Hamiltonian</a:t>
+            </a:r>
+            <a:endParaRPr lang="en-US" dirty="0"/>
+          </a:p>
+        </p:txBody>
+      </p:sp>
+      <p:sp>
+        <p:nvSpPr>
+          <p:cNvPr id="14" name="TextBox 13"/>
+          <p:cNvSpPr txBox="1"/>
+          <p:nvPr/>
+        </p:nvSpPr>
+        <p:spPr>
+          <a:xfrm>
+            <a:off x="688793" y="3250084"/>
+            <a:ext cx="7598251" cy="2554545"/>
+          </a:xfrm>
+          <a:prstGeom prst="rect">
+            <a:avLst/>
+          </a:prstGeom>
+          <a:noFill/>
+        </p:spPr>
+        <p:txBody>
+          <a:bodyPr wrap="square" rtlCol="0">
+            <a:spAutoFit/>
+          </a:bodyPr>
+          <a:lstStyle/>
+          <a:p>
+            <a:pPr marL="285750" indent="-285750">
+              <a:buFont typeface="Arial"/>
+              <a:buChar char="•"/>
+            </a:pPr>
+            <a:r>
+              <a:rPr lang="en-US" sz="3200" dirty="0" err="1" smtClean="0"/>
+              <a:t>r</a:t>
+            </a:r>
+            <a:r>
+              <a:rPr lang="en-US" sz="3200" baseline="-25000" dirty="0" err="1" smtClean="0"/>
+              <a:t>i</a:t>
+            </a:r>
+            <a:r>
+              <a:rPr lang="en-US" sz="3200" dirty="0" smtClean="0"/>
+              <a:t> is the position of </a:t>
+            </a:r>
+            <a:r>
+              <a:rPr lang="en-US" sz="3200" dirty="0" err="1" smtClean="0"/>
+              <a:t>bead</a:t>
+            </a:r>
+            <a:r>
+              <a:rPr lang="en-US" sz="3200" baseline="-25000" dirty="0" err="1" smtClean="0"/>
+              <a:t>i</a:t>
+            </a:r>
+            <a:endParaRPr lang="en-US" sz="3200" baseline="-25000" dirty="0" smtClean="0"/>
+          </a:p>
+          <a:p>
+            <a:pPr marL="285750" indent="-285750">
+              <a:buFont typeface="Arial"/>
+              <a:buChar char="•"/>
+            </a:pPr>
+            <a:r>
+              <a:rPr lang="en-US" sz="3200" dirty="0" err="1" smtClean="0"/>
+              <a:t>V</a:t>
+            </a:r>
+            <a:r>
+              <a:rPr lang="en-US" sz="3200" baseline="-25000" dirty="0" err="1" smtClean="0"/>
+              <a:t>k</a:t>
+            </a:r>
+            <a:r>
+              <a:rPr lang="en-US" sz="3200" dirty="0" smtClean="0"/>
+              <a:t> is the number of vertices for </a:t>
+            </a:r>
+            <a:r>
+              <a:rPr lang="en-US" sz="3200" dirty="0" err="1" smtClean="0"/>
+              <a:t>bead</a:t>
+            </a:r>
+            <a:r>
+              <a:rPr lang="en-US" sz="3200" baseline="-25000" dirty="0" err="1" smtClean="0"/>
+              <a:t>k</a:t>
+            </a:r>
+            <a:endParaRPr lang="en-US" sz="3200" baseline="-25000" dirty="0" smtClean="0"/>
+          </a:p>
+          <a:p>
+            <a:pPr marL="285750" indent="-285750">
+              <a:buFont typeface="Arial"/>
+              <a:buChar char="•"/>
+            </a:pPr>
+            <a:r>
+              <a:rPr lang="en-US" sz="3200" dirty="0" smtClean="0"/>
+              <a:t>V</a:t>
+            </a:r>
+            <a:r>
+              <a:rPr lang="en-US" sz="3200" baseline="-25000" dirty="0" smtClean="0"/>
+              <a:t>0</a:t>
+            </a:r>
+            <a:r>
+              <a:rPr lang="en-US" sz="3200" dirty="0" smtClean="0"/>
+              <a:t> is the actual number of vertices </a:t>
+            </a:r>
+            <a:r>
+              <a:rPr lang="en-US" sz="3200" dirty="0" err="1" smtClean="0"/>
+              <a:t>bead</a:t>
+            </a:r>
+            <a:r>
+              <a:rPr lang="en-US" sz="3200" baseline="-25000" dirty="0" err="1" smtClean="0"/>
+              <a:t>k</a:t>
+            </a:r>
+            <a:r>
+              <a:rPr lang="en-US" sz="3200" dirty="0" smtClean="0"/>
+              <a:t> should make.</a:t>
+            </a:r>
+          </a:p>
+          <a:p>
+            <a:pPr marL="285750" indent="-285750">
+              <a:buFont typeface="Arial"/>
+              <a:buChar char="•"/>
+            </a:pPr>
+            <a:r>
+              <a:rPr lang="en-US" sz="3200" dirty="0" smtClean="0"/>
+              <a:t>K</a:t>
+            </a:r>
+            <a:r>
+              <a:rPr lang="en-US" sz="3200" baseline="-25000" dirty="0" smtClean="0"/>
+              <a:t>b</a:t>
+            </a:r>
+            <a:r>
+              <a:rPr lang="en-US" sz="3200" dirty="0" smtClean="0"/>
+              <a:t> = 1, </a:t>
+            </a:r>
+            <a:r>
+              <a:rPr lang="en-US" sz="3200" dirty="0" err="1" smtClean="0"/>
+              <a:t>k</a:t>
+            </a:r>
+            <a:r>
+              <a:rPr lang="en-US" sz="3200" baseline="-25000" dirty="0" err="1" smtClean="0"/>
+              <a:t>v</a:t>
+            </a:r>
+            <a:r>
+              <a:rPr lang="en-US" sz="3200" dirty="0" smtClean="0"/>
+              <a:t> = 1024 are force constants</a:t>
+            </a:r>
+            <a:endParaRPr lang="en-US" sz="3200" dirty="0"/>
+          </a:p>
+        </p:txBody>
+      </p:sp>
+      <p:pic>
+        <p:nvPicPr>
+          <p:cNvPr id="15" name="Picture 14"/>
+          <p:cNvPicPr>
+            <a:picLocks noChangeAspect="1"/>
+          </p:cNvPicPr>
+          <p:nvPr/>
+        </p:nvPicPr>
+        <p:blipFill>
+          <a:blip r:embed="rId2"/>
+          <a:stretch>
+            <a:fillRect/>
+          </a:stretch>
+        </p:blipFill>
+        <p:spPr>
+          <a:xfrm>
+            <a:off x="871754" y="1417638"/>
+            <a:ext cx="7680314" cy="977001"/>
+          </a:xfrm>
+          <a:prstGeom prst="rect">
+            <a:avLst/>
+          </a:prstGeom>
+        </p:spPr>
+      </p:pic>
+    </p:spTree>
+    <p:extLst>
+      <p:ext uri="{BB962C8B-B14F-4D97-AF65-F5344CB8AC3E}">
+        <p14:creationId xmlns:p14="http://schemas.microsoft.com/office/powerpoint/2010/main" val="3401128084"/>
+      </p:ext>
+    </p:extLst>
+  </p:cSld>
+  <p:clrMapOvr>
+    <a:masterClrMapping/>
+  </p:clrMapOvr>
+</p:sld>
+</file>
+
+<file path=ppt/slides/slide5.xml><?xml version="1.0" encoding="utf-8"?>
+<p:sld xmlns:a="http://schemas.openxmlformats.org/drawingml/2006/main" xmlns:r="http://schemas.openxmlformats.org/officeDocument/2006/relationships" xmlns:p="http://schemas.openxmlformats.org/presentationml/2006/main">
+  <p:cSld>
+    <p:spTree>
+      <p:nvGrpSpPr>
+        <p:cNvPr id="1" name=""/>
+        <p:cNvGrpSpPr/>
+        <p:nvPr/>
+      </p:nvGrpSpPr>
+      <p:grpSpPr>
+        <a:xfrm>
+          <a:off x="0" y="0"/>
+          <a:ext cx="0" cy="0"/>
+          <a:chOff x="0" y="0"/>
+          <a:chExt cx="0" cy="0"/>
+        </a:xfrm>
+      </p:grpSpPr>
+      <p:sp>
+        <p:nvSpPr>
+          <p:cNvPr id="2" name="Title 1"/>
+          <p:cNvSpPr>
+            <a:spLocks noGrp="1"/>
+          </p:cNvSpPr>
+          <p:nvPr>
+            <p:ph type="title"/>
+          </p:nvPr>
+        </p:nvSpPr>
+        <p:spPr/>
+        <p:txBody>
+          <a:bodyPr>
+            <a:normAutofit fontScale="90000"/>
+          </a:bodyPr>
+          <a:lstStyle/>
+          <a:p>
+            <a:r>
+              <a:rPr lang="en-US" dirty="0" smtClean="0"/>
+              <a:t>Our systems (Replace with pictures)</a:t>
+            </a:r>
+            <a:endParaRPr lang="en-US" dirty="0"/>
+          </a:p>
+        </p:txBody>
+      </p:sp>
+      <p:sp>
+        <p:nvSpPr>
+          <p:cNvPr id="3" name="Content Placeholder 2"/>
+          <p:cNvSpPr>
+            <a:spLocks noGrp="1"/>
+          </p:cNvSpPr>
+          <p:nvPr>
+            <p:ph idx="1"/>
+          </p:nvPr>
+        </p:nvSpPr>
+        <p:spPr/>
+        <p:txBody>
+          <a:bodyPr/>
+          <a:lstStyle/>
+          <a:p>
+            <a:r>
+              <a:rPr lang="en-US" dirty="0" smtClean="0"/>
+              <a:t>HCP</a:t>
+            </a:r>
+          </a:p>
+          <a:p>
+            <a:r>
+              <a:rPr lang="en-US" dirty="0" smtClean="0"/>
+              <a:t>Sheared HCP</a:t>
+            </a:r>
+          </a:p>
+          <a:p>
+            <a:pPr lvl="1"/>
+            <a:r>
+              <a:rPr lang="en-US" dirty="0" smtClean="0"/>
+              <a:t>HCP with bottom half shifted by </a:t>
+            </a:r>
+            <a:r>
+              <a:rPr lang="en-US" dirty="0" err="1" smtClean="0"/>
+              <a:t>δx</a:t>
+            </a:r>
+            <a:r>
+              <a:rPr lang="en-US" dirty="0" smtClean="0"/>
+              <a:t> +0.2</a:t>
+            </a:r>
+          </a:p>
+          <a:p>
+            <a:pPr lvl="1"/>
+            <a:r>
+              <a:rPr lang="en-US" dirty="0" smtClean="0"/>
+              <a:t>HCP with lower triangular half shifted by </a:t>
+            </a:r>
+            <a:r>
+              <a:rPr lang="en-US" dirty="0" err="1" smtClean="0"/>
+              <a:t>δx</a:t>
+            </a:r>
+            <a:r>
+              <a:rPr lang="en-US" dirty="0" smtClean="0"/>
+              <a:t> +0.2 </a:t>
+            </a:r>
+            <a:r>
+              <a:rPr lang="en-US" dirty="0" err="1" smtClean="0"/>
+              <a:t>δy</a:t>
+            </a:r>
+            <a:r>
+              <a:rPr lang="en-US" dirty="0" smtClean="0"/>
+              <a:t> +0.2</a:t>
+            </a:r>
+          </a:p>
+          <a:p>
+            <a:r>
+              <a:rPr lang="en-US" dirty="0" smtClean="0"/>
+              <a:t>Square lattice</a:t>
+            </a:r>
+          </a:p>
+          <a:p>
+            <a:r>
+              <a:rPr lang="en-US" dirty="0" smtClean="0"/>
+              <a:t>Random lattice</a:t>
+            </a:r>
+          </a:p>
+          <a:p>
+            <a:endParaRPr lang="en-US" dirty="0"/>
+          </a:p>
+        </p:txBody>
+      </p:sp>
+    </p:spTree>
+    <p:extLst>
+      <p:ext uri="{BB962C8B-B14F-4D97-AF65-F5344CB8AC3E}">
+        <p14:creationId xmlns:p14="http://schemas.microsoft.com/office/powerpoint/2010/main" val="768269377"/>
+      </p:ext>
+    </p:extLst>
+  </p:cSld>
+  <p:clrMapOvr>
+    <a:masterClrMapping/>
+  </p:clrMapOvr>
+  <p:timing>
+    <p:tnLst>
+      <p:par>
+        <p:cTn xmlns:p14="http://schemas.microsoft.com/office/powerpoint/2010/main" id="1" dur="indefinite" restart="never" nodeType="tmRoot"/>
+      </p:par>
+    </p:tnLst>
+  </p:timing>
+</p:sld>
+</file>
+
+<file path=ppt/slides/slide6.xml><?xml version="1.0" encoding="utf-8"?>
+<p:sld xmlns:a="http://schemas.openxmlformats.org/drawingml/2006/main" xmlns:r="http://schemas.openxmlformats.org/officeDocument/2006/relationships" xmlns:p="http://schemas.openxmlformats.org/presentationml/2006/main">
+  <p:cSld>
+    <p:spTree>
+      <p:nvGrpSpPr>
+        <p:cNvPr id="1" name=""/>
+        <p:cNvGrpSpPr/>
+        <p:nvPr/>
+      </p:nvGrpSpPr>
+      <p:grpSpPr>
+        <a:xfrm>
+          <a:off x="0" y="0"/>
+          <a:ext cx="0" cy="0"/>
+          <a:chOff x="0" y="0"/>
+          <a:chExt cx="0" cy="0"/>
+        </a:xfrm>
+      </p:grpSpPr>
+      <p:pic>
+        <p:nvPicPr>
+          <p:cNvPr id="6" name="Picture 5" descr="hcpvsshearedhcp.tga"/>
+          <p:cNvPicPr>
+            <a:picLocks noChangeAspect="1"/>
+          </p:cNvPicPr>
+          <p:nvPr/>
+        </p:nvPicPr>
+        <p:blipFill>
+          <a:blip r:embed="rId2">
+            <a:extLst>
+              <a:ext uri="{28A0092B-C50C-407E-A947-70E740481C1C}">
+                <a14:useLocalDpi xmlns:a14="http://schemas.microsoft.com/office/drawing/2010/main" val="0"/>
+              </a:ext>
+            </a:extLst>
+          </a:blip>
+          <a:stretch>
+            <a:fillRect/>
+          </a:stretch>
+        </p:blipFill>
+        <p:spPr>
+          <a:xfrm>
+            <a:off x="2314221" y="1585147"/>
+            <a:ext cx="4953941" cy="4953941"/>
+          </a:xfrm>
+          <a:prstGeom prst="rect">
+            <a:avLst/>
+          </a:prstGeom>
+        </p:spPr>
+      </p:pic>
+      <p:sp>
+        <p:nvSpPr>
+          <p:cNvPr id="2" name="Title 1"/>
+          <p:cNvSpPr>
+            <a:spLocks noGrp="1"/>
+          </p:cNvSpPr>
+          <p:nvPr>
+            <p:ph type="title"/>
+          </p:nvPr>
+        </p:nvSpPr>
+        <p:spPr/>
+        <p:txBody>
+          <a:bodyPr>
+            <a:normAutofit fontScale="90000"/>
+          </a:bodyPr>
+          <a:lstStyle/>
+          <a:p>
+            <a:r>
+              <a:rPr lang="en-US" dirty="0" smtClean="0"/>
+              <a:t>Hexagonal lattice </a:t>
+            </a:r>
+            <a:r>
+              <a:rPr lang="en-US" dirty="0" err="1" smtClean="0"/>
+              <a:t>vs</a:t>
+            </a:r>
+            <a:r>
+              <a:rPr lang="en-US" dirty="0" smtClean="0"/>
+              <a:t> sheared hexagonal lattice</a:t>
+            </a:r>
+            <a:endParaRPr lang="en-US" dirty="0"/>
+          </a:p>
+        </p:txBody>
+      </p:sp>
+    </p:spTree>
+    <p:extLst>
+      <p:ext uri="{BB962C8B-B14F-4D97-AF65-F5344CB8AC3E}">
+        <p14:creationId xmlns:p14="http://schemas.microsoft.com/office/powerpoint/2010/main" val="3172712291"/>
+      </p:ext>
+    </p:extLst>
+  </p:cSld>
+  <p:clrMapOvr>
+    <a:masterClrMapping/>
+  </p:clrMapOvr>
+</p:sld>
+</file>
+
+<file path=ppt/slides/slide7.xml><?xml version="1.0" encoding="utf-8"?>
+<p:sld xmlns:a="http://schemas.openxmlformats.org/drawingml/2006/main" xmlns:r="http://schemas.openxmlformats.org/officeDocument/2006/relationships" xmlns:p="http://schemas.openxmlformats.org/presentationml/2006/main">
+  <p:cSld>
+    <p:spTree>
+      <p:nvGrpSpPr>
+        <p:cNvPr id="1" name=""/>
+        <p:cNvGrpSpPr/>
+        <p:nvPr/>
+      </p:nvGrpSpPr>
+      <p:grpSpPr>
+        <a:xfrm>
+          <a:off x="0" y="0"/>
+          <a:ext cx="0" cy="0"/>
+          <a:chOff x="0" y="0"/>
+          <a:chExt cx="0" cy="0"/>
+        </a:xfrm>
+      </p:grpSpPr>
+      <p:sp>
+        <p:nvSpPr>
+          <p:cNvPr id="2" name="Title 1"/>
+          <p:cNvSpPr>
+            <a:spLocks noGrp="1"/>
+          </p:cNvSpPr>
+          <p:nvPr>
+            <p:ph type="title"/>
+          </p:nvPr>
+        </p:nvSpPr>
+        <p:spPr/>
+        <p:txBody>
+          <a:bodyPr/>
+          <a:lstStyle/>
+          <a:p>
+            <a:r>
+              <a:rPr lang="en-US" dirty="0" smtClean="0"/>
+              <a:t>Code implementation	</a:t>
+            </a:r>
+            <a:endParaRPr lang="en-US" dirty="0"/>
+          </a:p>
+        </p:txBody>
+      </p:sp>
+      <p:sp>
+        <p:nvSpPr>
+          <p:cNvPr id="3" name="Content Placeholder 2"/>
+          <p:cNvSpPr>
+            <a:spLocks noGrp="1"/>
+          </p:cNvSpPr>
+          <p:nvPr>
+            <p:ph idx="1"/>
+          </p:nvPr>
+        </p:nvSpPr>
+        <p:spPr/>
+        <p:txBody>
+          <a:bodyPr/>
+          <a:lstStyle/>
+          <a:p>
+            <a:r>
+              <a:rPr lang="en-US" b="1" dirty="0" smtClean="0"/>
+              <a:t>Java – </a:t>
+            </a:r>
+            <a:r>
+              <a:rPr lang="en-US" b="1" i="1" dirty="0" err="1" smtClean="0"/>
+              <a:t>Heavylifting</a:t>
+            </a:r>
+            <a:endParaRPr lang="en-US" dirty="0" smtClean="0"/>
+          </a:p>
+          <a:p>
+            <a:pPr lvl="1"/>
+            <a:r>
+              <a:rPr lang="en-US" dirty="0" smtClean="0"/>
+              <a:t>Software Java 1.6 </a:t>
+            </a:r>
+          </a:p>
+          <a:p>
+            <a:r>
+              <a:rPr lang="en-US" dirty="0" smtClean="0"/>
+              <a:t>Python – </a:t>
+            </a:r>
+            <a:r>
+              <a:rPr lang="en-US" i="1" dirty="0" smtClean="0"/>
+              <a:t>Analysis</a:t>
+            </a:r>
+          </a:p>
+          <a:p>
+            <a:r>
+              <a:rPr lang="en-US" dirty="0" err="1" smtClean="0"/>
+              <a:t>Tcl</a:t>
+            </a:r>
+            <a:r>
+              <a:rPr lang="en-US" dirty="0" smtClean="0"/>
+              <a:t> – </a:t>
+            </a:r>
+            <a:r>
+              <a:rPr lang="en-US" i="1" dirty="0" smtClean="0"/>
+              <a:t>Analysis</a:t>
+            </a:r>
+            <a:r>
+              <a:rPr lang="en-US" dirty="0" smtClean="0"/>
+              <a:t> </a:t>
+            </a:r>
+          </a:p>
+          <a:p>
+            <a:pPr lvl="1"/>
+            <a:endParaRPr lang="en-US" dirty="0"/>
+          </a:p>
+        </p:txBody>
+      </p:sp>
+    </p:spTree>
+    <p:extLst>
+      <p:ext uri="{BB962C8B-B14F-4D97-AF65-F5344CB8AC3E}">
+        <p14:creationId xmlns:p14="http://schemas.microsoft.com/office/powerpoint/2010/main" val="2877424629"/>
+      </p:ext>
+    </p:extLst>
+  </p:cSld>
+  <p:clrMapOvr>
+    <a:masterClrMapping/>
+  </p:clrMapOvr>
+</p:sld>
+</file>
+
+<file path=ppt/slides/slide8.xml><?xml version="1.0" encoding="utf-8"?>
+<p:sld xmlns:a="http://schemas.openxmlformats.org/drawingml/2006/main" xmlns:r="http://schemas.openxmlformats.org/officeDocument/2006/relationships" xmlns:p="http://schemas.openxmlformats.org/presentationml/2006/main">
+  <p:cSld>
+    <p:spTree>
+      <p:nvGrpSpPr>
+        <p:cNvPr id="1" name=""/>
+        <p:cNvGrpSpPr/>
+        <p:nvPr/>
+      </p:nvGrpSpPr>
+      <p:grpSpPr>
+        <a:xfrm>
+          <a:off x="0" y="0"/>
+          <a:ext cx="0" cy="0"/>
+          <a:chOff x="0" y="0"/>
+          <a:chExt cx="0" cy="0"/>
+        </a:xfrm>
+      </p:grpSpPr>
+      <p:sp>
+        <p:nvSpPr>
+          <p:cNvPr id="4" name="Title 3"/>
+          <p:cNvSpPr>
+            <a:spLocks noGrp="1"/>
+          </p:cNvSpPr>
+          <p:nvPr>
+            <p:ph type="title"/>
+          </p:nvPr>
+        </p:nvSpPr>
+        <p:spPr/>
+        <p:txBody>
+          <a:bodyPr/>
+          <a:lstStyle/>
+          <a:p>
+            <a:r>
+              <a:rPr lang="en-US" dirty="0" smtClean="0"/>
+              <a:t>Simulated Annealing</a:t>
+            </a:r>
+            <a:endParaRPr lang="en-US" dirty="0"/>
+          </a:p>
+        </p:txBody>
+      </p:sp>
+      <p:sp>
+        <p:nvSpPr>
+          <p:cNvPr id="5" name="Content Placeholder 4"/>
+          <p:cNvSpPr>
+            <a:spLocks noGrp="1"/>
+          </p:cNvSpPr>
+          <p:nvPr>
+            <p:ph idx="1"/>
+          </p:nvPr>
+        </p:nvSpPr>
+        <p:spPr/>
+        <p:txBody>
+          <a:bodyPr/>
+          <a:lstStyle/>
+          <a:p>
+            <a:r>
+              <a:rPr lang="en-US" dirty="0" smtClean="0"/>
+              <a:t>A couple of slides explaining the method</a:t>
+            </a:r>
+            <a:endParaRPr lang="en-US" dirty="0"/>
+          </a:p>
+        </p:txBody>
+      </p:sp>
+    </p:spTree>
+    <p:extLst>
+      <p:ext uri="{BB962C8B-B14F-4D97-AF65-F5344CB8AC3E}">
+        <p14:creationId xmlns:p14="http://schemas.microsoft.com/office/powerpoint/2010/main" val="3657239258"/>
+      </p:ext>
+    </p:extLst>
+  </p:cSld>
+  <p:clrMapOvr>
+    <a:masterClrMapping/>
+  </p:clrMapOvr>
+</p:sld>
+</file>
+
+<file path=ppt/slides/slide9.xml><?xml version="1.0" encoding="utf-8"?>
+<p:sld xmlns:a="http://schemas.openxmlformats.org/drawingml/2006/main" xmlns:r="http://schemas.openxmlformats.org/officeDocument/2006/relationships" xmlns:p="http://schemas.openxmlformats.org/presentationml/2006/main">
+  <p:cSld>
+    <p:spTree>
+      <p:nvGrpSpPr>
+        <p:cNvPr id="1" name=""/>
+        <p:cNvGrpSpPr/>
+        <p:nvPr/>
+      </p:nvGrpSpPr>
+      <p:grpSpPr>
+        <a:xfrm>
+          <a:off x="0" y="0"/>
+          <a:ext cx="0" cy="0"/>
+          <a:chOff x="0" y="0"/>
+          <a:chExt cx="0" cy="0"/>
+        </a:xfrm>
+      </p:grpSpPr>
+      <p:sp>
+        <p:nvSpPr>
+          <p:cNvPr id="4" name="Title 3"/>
+          <p:cNvSpPr>
+            <a:spLocks noGrp="1"/>
+          </p:cNvSpPr>
+          <p:nvPr>
+            <p:ph type="title"/>
+          </p:nvPr>
+        </p:nvSpPr>
+        <p:spPr/>
+        <p:txBody>
+          <a:bodyPr/>
+          <a:lstStyle/>
+          <a:p>
+            <a:r>
+              <a:rPr lang="en-US" dirty="0" smtClean="0"/>
+              <a:t>Ant Colony</a:t>
+            </a:r>
+            <a:endParaRPr lang="en-US" dirty="0"/>
+          </a:p>
+        </p:txBody>
+      </p:sp>
+      <p:sp>
+        <p:nvSpPr>
+          <p:cNvPr id="5" name="Content Placeholder 4"/>
+          <p:cNvSpPr>
+            <a:spLocks noGrp="1"/>
+          </p:cNvSpPr>
+          <p:nvPr>
+            <p:ph idx="1"/>
+          </p:nvPr>
+        </p:nvSpPr>
+        <p:spPr/>
+        <p:txBody>
+          <a:bodyPr/>
+          <a:lstStyle/>
+          <a:p>
+            <a:r>
+              <a:rPr lang="en-US" dirty="0" smtClean="0"/>
+              <a:t>A couple of slides explaining the method</a:t>
+            </a:r>
+            <a:endParaRPr lang="en-US" dirty="0"/>
+          </a:p>
+        </p:txBody>
+      </p:sp>
+    </p:spTree>
+    <p:extLst>
+      <p:ext uri="{BB962C8B-B14F-4D97-AF65-F5344CB8AC3E}">
+        <p14:creationId xmlns:p14="http://schemas.microsoft.com/office/powerpoint/2010/main" val="150159088"/>
       </p:ext>
     </p:extLst>
   </p:cSld>
